--- a/docs/diagrams/FreeTimeSuccessDiagram.pptx
+++ b/docs/diagrams/FreeTimeSuccessDiagram.pptx
@@ -104,6 +104,11 @@
       </a:defRPr>
     </a:lvl9pPr>
   </p:defaultTextStyle>
+  <p:extLst>
+    <p:ext uri="{EFAFB233-063F-42B5-8137-9DF3F51BA10A}">
+      <p15:sldGuideLst xmlns:p15="http://schemas.microsoft.com/office/powerpoint/2012/main"/>
+    </p:ext>
+  </p:extLst>
 </p:presentation>
 </file>
 
@@ -238,7 +243,7 @@
           <a:p>
             <a:fld id="{B859F9C0-0CD9-4480-B5E2-DD248B3930DF}" type="datetimeFigureOut">
               <a:rPr lang="en-SG" smtClean="0"/>
-              <a:t>30/10/2018</a:t>
+              <a:t>12/11/2018</a:t>
             </a:fld>
             <a:endParaRPr lang="en-SG"/>
           </a:p>
@@ -408,7 +413,7 @@
           <a:p>
             <a:fld id="{B859F9C0-0CD9-4480-B5E2-DD248B3930DF}" type="datetimeFigureOut">
               <a:rPr lang="en-SG" smtClean="0"/>
-              <a:t>30/10/2018</a:t>
+              <a:t>12/11/2018</a:t>
             </a:fld>
             <a:endParaRPr lang="en-SG"/>
           </a:p>
@@ -588,7 +593,7 @@
           <a:p>
             <a:fld id="{B859F9C0-0CD9-4480-B5E2-DD248B3930DF}" type="datetimeFigureOut">
               <a:rPr lang="en-SG" smtClean="0"/>
-              <a:t>30/10/2018</a:t>
+              <a:t>12/11/2018</a:t>
             </a:fld>
             <a:endParaRPr lang="en-SG"/>
           </a:p>
@@ -758,7 +763,7 @@
           <a:p>
             <a:fld id="{B859F9C0-0CD9-4480-B5E2-DD248B3930DF}" type="datetimeFigureOut">
               <a:rPr lang="en-SG" smtClean="0"/>
-              <a:t>30/10/2018</a:t>
+              <a:t>12/11/2018</a:t>
             </a:fld>
             <a:endParaRPr lang="en-SG"/>
           </a:p>
@@ -1004,7 +1009,7 @@
           <a:p>
             <a:fld id="{B859F9C0-0CD9-4480-B5E2-DD248B3930DF}" type="datetimeFigureOut">
               <a:rPr lang="en-SG" smtClean="0"/>
-              <a:t>30/10/2018</a:t>
+              <a:t>12/11/2018</a:t>
             </a:fld>
             <a:endParaRPr lang="en-SG"/>
           </a:p>
@@ -1236,7 +1241,7 @@
           <a:p>
             <a:fld id="{B859F9C0-0CD9-4480-B5E2-DD248B3930DF}" type="datetimeFigureOut">
               <a:rPr lang="en-SG" smtClean="0"/>
-              <a:t>30/10/2018</a:t>
+              <a:t>12/11/2018</a:t>
             </a:fld>
             <a:endParaRPr lang="en-SG"/>
           </a:p>
@@ -1603,7 +1608,7 @@
           <a:p>
             <a:fld id="{B859F9C0-0CD9-4480-B5E2-DD248B3930DF}" type="datetimeFigureOut">
               <a:rPr lang="en-SG" smtClean="0"/>
-              <a:t>30/10/2018</a:t>
+              <a:t>12/11/2018</a:t>
             </a:fld>
             <a:endParaRPr lang="en-SG"/>
           </a:p>
@@ -1721,7 +1726,7 @@
           <a:p>
             <a:fld id="{B859F9C0-0CD9-4480-B5E2-DD248B3930DF}" type="datetimeFigureOut">
               <a:rPr lang="en-SG" smtClean="0"/>
-              <a:t>30/10/2018</a:t>
+              <a:t>12/11/2018</a:t>
             </a:fld>
             <a:endParaRPr lang="en-SG"/>
           </a:p>
@@ -1816,7 +1821,7 @@
           <a:p>
             <a:fld id="{B859F9C0-0CD9-4480-B5E2-DD248B3930DF}" type="datetimeFigureOut">
               <a:rPr lang="en-SG" smtClean="0"/>
-              <a:t>30/10/2018</a:t>
+              <a:t>12/11/2018</a:t>
             </a:fld>
             <a:endParaRPr lang="en-SG"/>
           </a:p>
@@ -2093,7 +2098,7 @@
           <a:p>
             <a:fld id="{B859F9C0-0CD9-4480-B5E2-DD248B3930DF}" type="datetimeFigureOut">
               <a:rPr lang="en-SG" smtClean="0"/>
-              <a:t>30/10/2018</a:t>
+              <a:t>12/11/2018</a:t>
             </a:fld>
             <a:endParaRPr lang="en-SG"/>
           </a:p>
@@ -2346,7 +2351,7 @@
           <a:p>
             <a:fld id="{B859F9C0-0CD9-4480-B5E2-DD248B3930DF}" type="datetimeFigureOut">
               <a:rPr lang="en-SG" smtClean="0"/>
-              <a:t>30/10/2018</a:t>
+              <a:t>12/11/2018</a:t>
             </a:fld>
             <a:endParaRPr lang="en-SG"/>
           </a:p>
@@ -2559,7 +2564,7 @@
           <a:p>
             <a:fld id="{B859F9C0-0CD9-4480-B5E2-DD248B3930DF}" type="datetimeFigureOut">
               <a:rPr lang="en-SG" smtClean="0"/>
-              <a:t>30/10/2018</a:t>
+              <a:t>12/11/2018</a:t>
             </a:fld>
             <a:endParaRPr lang="en-SG"/>
           </a:p>
@@ -2966,7 +2971,7 @@
       </p:grpSpPr>
       <p:pic>
         <p:nvPicPr>
-          <p:cNvPr id="4" name="Picture 3"/>
+          <p:cNvPr id="2" name="Picture 1"/>
           <p:cNvPicPr>
             <a:picLocks noChangeAspect="1"/>
           </p:cNvPicPr>
@@ -2980,8 +2985,8 @@
         </p:blipFill>
         <p:spPr>
           <a:xfrm>
-            <a:off x="1494571" y="0"/>
-            <a:ext cx="9202857" cy="6858000"/>
+            <a:off x="76200" y="185737"/>
+            <a:ext cx="12039600" cy="6486525"/>
           </a:xfrm>
           <a:prstGeom prst="rect">
             <a:avLst/>
@@ -2996,8 +3001,8 @@
         </p:nvSpPr>
         <p:spPr>
           <a:xfrm>
-            <a:off x="1573427" y="642551"/>
-            <a:ext cx="2281881" cy="288325"/>
+            <a:off x="214184" y="1115542"/>
+            <a:ext cx="3682313" cy="288325"/>
           </a:xfrm>
           <a:prstGeom prst="rect">
             <a:avLst/>
@@ -3042,7 +3047,7 @@
         </p:nvSpPr>
         <p:spPr>
           <a:xfrm>
-            <a:off x="1696994" y="930876"/>
+            <a:off x="1037967" y="1403867"/>
             <a:ext cx="2034746" cy="369332"/>
           </a:xfrm>
           <a:prstGeom prst="rect">
